--- a/lectures/LambdaExpressions.pptx
+++ b/lectures/LambdaExpressions.pptx
@@ -5,40 +5,39 @@
     <p:sldMasterId id="2147483657" r:id="rId1"/>
   </p:sldMasterIdLst>
   <p:notesMasterIdLst>
-    <p:notesMasterId r:id="rId9"/>
+    <p:notesMasterId r:id="rId8"/>
   </p:notesMasterIdLst>
   <p:sldIdLst>
-    <p:sldId id="256" r:id="rId2"/>
-    <p:sldId id="259" r:id="rId3"/>
-    <p:sldId id="261" r:id="rId4"/>
-    <p:sldId id="262" r:id="rId5"/>
-    <p:sldId id="263" r:id="rId6"/>
-    <p:sldId id="264" r:id="rId7"/>
-    <p:sldId id="265" r:id="rId8"/>
+    <p:sldId id="259" r:id="rId2"/>
+    <p:sldId id="261" r:id="rId3"/>
+    <p:sldId id="262" r:id="rId4"/>
+    <p:sldId id="263" r:id="rId5"/>
+    <p:sldId id="264" r:id="rId6"/>
+    <p:sldId id="265" r:id="rId7"/>
   </p:sldIdLst>
   <p:sldSz cx="9144000" cy="5143500" type="screen16x9"/>
   <p:notesSz cx="6858000" cy="9144000"/>
   <p:embeddedFontLst>
     <p:embeddedFont>
       <p:font typeface="Arvo" panose="020B0604020202020204" charset="0"/>
-      <p:regular r:id="rId10"/>
-      <p:bold r:id="rId11"/>
-      <p:italic r:id="rId12"/>
-      <p:boldItalic r:id="rId13"/>
+      <p:regular r:id="rId9"/>
+      <p:bold r:id="rId10"/>
+      <p:italic r:id="rId11"/>
+      <p:boldItalic r:id="rId12"/>
     </p:embeddedFont>
     <p:embeddedFont>
-      <p:font typeface="Roboto Condensed" panose="020B0604020202020204" charset="0"/>
-      <p:regular r:id="rId14"/>
-      <p:bold r:id="rId15"/>
-      <p:italic r:id="rId16"/>
-      <p:boldItalic r:id="rId17"/>
+      <p:font typeface="Roboto Condensed" panose="02000000000000000000" pitchFamily="2" charset="0"/>
+      <p:regular r:id="rId13"/>
+      <p:bold r:id="rId14"/>
+      <p:italic r:id="rId15"/>
+      <p:boldItalic r:id="rId16"/>
     </p:embeddedFont>
     <p:embeddedFont>
-      <p:font typeface="Roboto Condensed Light" panose="020B0604020202020204" charset="0"/>
-      <p:regular r:id="rId18"/>
-      <p:bold r:id="rId19"/>
-      <p:italic r:id="rId20"/>
-      <p:boldItalic r:id="rId21"/>
+      <p:font typeface="Roboto Condensed Light" panose="02000000000000000000" pitchFamily="2" charset="0"/>
+      <p:regular r:id="rId17"/>
+      <p:bold r:id="rId18"/>
+      <p:italic r:id="rId19"/>
+      <p:boldItalic r:id="rId20"/>
     </p:embeddedFont>
   </p:embeddedFontLst>
   <p:defaultTextStyle>
@@ -251,6 +250,118 @@
 </p:presentation>
 </file>
 
+<file path=ppt/changesInfos/changesInfo1.xml><?xml version="1.0" encoding="utf-8"?>
+<pc:chgInfo xmlns:a="http://schemas.openxmlformats.org/drawingml/2006/main" xmlns:r="http://schemas.openxmlformats.org/officeDocument/2006/relationships" xmlns:ac="http://schemas.microsoft.com/office/drawing/2013/main/command" xmlns:pc="http://schemas.microsoft.com/office/powerpoint/2013/main/command">
+  <pc:docChgLst>
+    <pc:chgData name="Jan Schaffranek" userId="185de13651d64d23" providerId="LiveId" clId="{60318044-1A50-4CC2-8BBB-E990C2369FEB}"/>
+    <pc:docChg chg="delSld modSld">
+      <pc:chgData name="Jan Schaffranek" userId="185de13651d64d23" providerId="LiveId" clId="{60318044-1A50-4CC2-8BBB-E990C2369FEB}" dt="2022-07-27T13:43:06.163" v="27" actId="1036"/>
+      <pc:docMkLst>
+        <pc:docMk/>
+      </pc:docMkLst>
+      <pc:sldChg chg="del">
+        <pc:chgData name="Jan Schaffranek" userId="185de13651d64d23" providerId="LiveId" clId="{60318044-1A50-4CC2-8BBB-E990C2369FEB}" dt="2022-07-27T13:41:55.501" v="0" actId="47"/>
+        <pc:sldMkLst>
+          <pc:docMk/>
+          <pc:sldMk cId="0" sldId="256"/>
+        </pc:sldMkLst>
+      </pc:sldChg>
+      <pc:sldChg chg="modSp mod">
+        <pc:chgData name="Jan Schaffranek" userId="185de13651d64d23" providerId="LiveId" clId="{60318044-1A50-4CC2-8BBB-E990C2369FEB}" dt="2022-07-27T13:43:06.163" v="27" actId="1036"/>
+        <pc:sldMkLst>
+          <pc:docMk/>
+          <pc:sldMk cId="0" sldId="261"/>
+        </pc:sldMkLst>
+        <pc:spChg chg="mod">
+          <ac:chgData name="Jan Schaffranek" userId="185de13651d64d23" providerId="LiveId" clId="{60318044-1A50-4CC2-8BBB-E990C2369FEB}" dt="2022-07-27T13:43:06.163" v="27" actId="1036"/>
+          <ac:spMkLst>
+            <pc:docMk/>
+            <pc:sldMk cId="0" sldId="261"/>
+            <ac:spMk id="3" creationId="{4A69FABC-2ACC-4E33-8601-57E6D785CFCA}"/>
+          </ac:spMkLst>
+        </pc:spChg>
+        <pc:spChg chg="mod">
+          <ac:chgData name="Jan Schaffranek" userId="185de13651d64d23" providerId="LiveId" clId="{60318044-1A50-4CC2-8BBB-E990C2369FEB}" dt="2022-07-27T13:43:00.459" v="21" actId="20577"/>
+          <ac:spMkLst>
+            <pc:docMk/>
+            <pc:sldMk cId="0" sldId="261"/>
+            <ac:spMk id="237" creationId="{00000000-0000-0000-0000-000000000000}"/>
+          </ac:spMkLst>
+        </pc:spChg>
+        <pc:picChg chg="mod">
+          <ac:chgData name="Jan Schaffranek" userId="185de13651d64d23" providerId="LiveId" clId="{60318044-1A50-4CC2-8BBB-E990C2369FEB}" dt="2022-07-27T13:42:58.441" v="20" actId="1076"/>
+          <ac:picMkLst>
+            <pc:docMk/>
+            <pc:sldMk cId="0" sldId="261"/>
+            <ac:picMk id="2" creationId="{CD8897D8-54E9-42D1-ABC4-133A6E30BBF9}"/>
+          </ac:picMkLst>
+        </pc:picChg>
+      </pc:sldChg>
+      <pc:sldChg chg="modSp mod">
+        <pc:chgData name="Jan Schaffranek" userId="185de13651d64d23" providerId="LiveId" clId="{60318044-1A50-4CC2-8BBB-E990C2369FEB}" dt="2022-07-27T13:42:19.338" v="7" actId="20577"/>
+        <pc:sldMkLst>
+          <pc:docMk/>
+          <pc:sldMk cId="3370171042" sldId="262"/>
+        </pc:sldMkLst>
+        <pc:spChg chg="mod">
+          <ac:chgData name="Jan Schaffranek" userId="185de13651d64d23" providerId="LiveId" clId="{60318044-1A50-4CC2-8BBB-E990C2369FEB}" dt="2022-07-27T13:42:19.338" v="7" actId="20577"/>
+          <ac:spMkLst>
+            <pc:docMk/>
+            <pc:sldMk cId="3370171042" sldId="262"/>
+            <ac:spMk id="237" creationId="{00000000-0000-0000-0000-000000000000}"/>
+          </ac:spMkLst>
+        </pc:spChg>
+      </pc:sldChg>
+      <pc:sldChg chg="modSp mod">
+        <pc:chgData name="Jan Schaffranek" userId="185de13651d64d23" providerId="LiveId" clId="{60318044-1A50-4CC2-8BBB-E990C2369FEB}" dt="2022-07-27T13:42:30.812" v="11" actId="20577"/>
+        <pc:sldMkLst>
+          <pc:docMk/>
+          <pc:sldMk cId="1032050539" sldId="264"/>
+        </pc:sldMkLst>
+        <pc:spChg chg="mod">
+          <ac:chgData name="Jan Schaffranek" userId="185de13651d64d23" providerId="LiveId" clId="{60318044-1A50-4CC2-8BBB-E990C2369FEB}" dt="2022-07-27T13:42:30.812" v="11" actId="20577"/>
+          <ac:spMkLst>
+            <pc:docMk/>
+            <pc:sldMk cId="1032050539" sldId="264"/>
+            <ac:spMk id="237" creationId="{00000000-0000-0000-0000-000000000000}"/>
+          </ac:spMkLst>
+        </pc:spChg>
+      </pc:sldChg>
+      <pc:sldChg chg="modSp mod">
+        <pc:chgData name="Jan Schaffranek" userId="185de13651d64d23" providerId="LiveId" clId="{60318044-1A50-4CC2-8BBB-E990C2369FEB}" dt="2022-07-27T13:42:39.682" v="16" actId="20577"/>
+        <pc:sldMkLst>
+          <pc:docMk/>
+          <pc:sldMk cId="1434743160" sldId="265"/>
+        </pc:sldMkLst>
+        <pc:spChg chg="mod">
+          <ac:chgData name="Jan Schaffranek" userId="185de13651d64d23" providerId="LiveId" clId="{60318044-1A50-4CC2-8BBB-E990C2369FEB}" dt="2022-07-27T13:42:39.682" v="16" actId="20577"/>
+          <ac:spMkLst>
+            <pc:docMk/>
+            <pc:sldMk cId="1434743160" sldId="265"/>
+            <ac:spMk id="237" creationId="{00000000-0000-0000-0000-000000000000}"/>
+          </ac:spMkLst>
+        </pc:spChg>
+      </pc:sldChg>
+      <pc:sldMasterChg chg="delSldLayout">
+        <pc:chgData name="Jan Schaffranek" userId="185de13651d64d23" providerId="LiveId" clId="{60318044-1A50-4CC2-8BBB-E990C2369FEB}" dt="2022-07-27T13:41:55.501" v="0" actId="47"/>
+        <pc:sldMasterMkLst>
+          <pc:docMk/>
+          <pc:sldMasterMk cId="0" sldId="2147483657"/>
+        </pc:sldMasterMkLst>
+        <pc:sldLayoutChg chg="del">
+          <pc:chgData name="Jan Schaffranek" userId="185de13651d64d23" providerId="LiveId" clId="{60318044-1A50-4CC2-8BBB-E990C2369FEB}" dt="2022-07-27T13:41:55.501" v="0" actId="47"/>
+          <pc:sldLayoutMkLst>
+            <pc:docMk/>
+            <pc:sldMasterMk cId="0" sldId="2147483657"/>
+            <pc:sldLayoutMk cId="0" sldId="2147483648"/>
+          </pc:sldLayoutMkLst>
+        </pc:sldLayoutChg>
+      </pc:sldMasterChg>
+    </pc:docChg>
+  </pc:docChgLst>
+</pc:chgInfo>
+</file>
+
 <file path=ppt/notesMasters/notesMaster1.xml><?xml version="1.0" encoding="utf-8"?>
 <p:notesMaster xmlns:a="http://schemas.openxmlformats.org/drawingml/2006/main" xmlns:r="http://schemas.openxmlformats.org/officeDocument/2006/relationships" xmlns:p="http://schemas.openxmlformats.org/presentationml/2006/main">
   <p:cSld>
@@ -531,107 +642,6 @@
   <p:cSld>
     <p:spTree>
       <p:nvGrpSpPr>
-        <p:cNvPr id="1" name="Shape 180"/>
-        <p:cNvGrpSpPr/>
-        <p:nvPr/>
-      </p:nvGrpSpPr>
-      <p:grpSpPr>
-        <a:xfrm>
-          <a:off x="0" y="0"/>
-          <a:ext cx="0" cy="0"/>
-          <a:chOff x="0" y="0"/>
-          <a:chExt cx="0" cy="0"/>
-        </a:xfrm>
-      </p:grpSpPr>
-      <p:sp>
-        <p:nvSpPr>
-          <p:cNvPr id="181" name="Shape 181"/>
-          <p:cNvSpPr>
-            <a:spLocks noGrp="1" noRot="1" noChangeAspect="1"/>
-          </p:cNvSpPr>
-          <p:nvPr>
-            <p:ph type="sldImg" idx="2"/>
-          </p:nvPr>
-        </p:nvSpPr>
-        <p:spPr>
-          <a:xfrm>
-            <a:off x="381000" y="685800"/>
-            <a:ext cx="6096000" cy="3429000"/>
-          </a:xfrm>
-          <a:custGeom>
-            <a:avLst/>
-            <a:gdLst/>
-            <a:ahLst/>
-            <a:cxnLst/>
-            <a:rect l="0" t="0" r="0" b="0"/>
-            <a:pathLst>
-              <a:path w="120000" h="120000" extrusionOk="0">
-                <a:moveTo>
-                  <a:pt x="0" y="0"/>
-                </a:moveTo>
-                <a:lnTo>
-                  <a:pt x="120000" y="0"/>
-                </a:lnTo>
-                <a:lnTo>
-                  <a:pt x="120000" y="120000"/>
-                </a:lnTo>
-                <a:lnTo>
-                  <a:pt x="0" y="120000"/>
-                </a:lnTo>
-                <a:close/>
-              </a:path>
-            </a:pathLst>
-          </a:custGeom>
-        </p:spPr>
-      </p:sp>
-      <p:sp>
-        <p:nvSpPr>
-          <p:cNvPr id="182" name="Shape 182"/>
-          <p:cNvSpPr txBox="1">
-            <a:spLocks noGrp="1"/>
-          </p:cNvSpPr>
-          <p:nvPr>
-            <p:ph type="body" idx="1"/>
-          </p:nvPr>
-        </p:nvSpPr>
-        <p:spPr>
-          <a:xfrm>
-            <a:off x="685800" y="4343400"/>
-            <a:ext cx="5486400" cy="4114800"/>
-          </a:xfrm>
-          <a:prstGeom prst="rect">
-            <a:avLst/>
-          </a:prstGeom>
-        </p:spPr>
-        <p:txBody>
-          <a:bodyPr wrap="square" lIns="91425" tIns="91425" rIns="91425" bIns="91425" anchor="t" anchorCtr="0">
-            <a:noAutofit/>
-          </a:bodyPr>
-          <a:lstStyle/>
-          <a:p>
-            <a:pPr lvl="0">
-              <a:spcBef>
-                <a:spcPts val="0"/>
-              </a:spcBef>
-              <a:buNone/>
-            </a:pPr>
-            <a:endParaRPr/>
-          </a:p>
-        </p:txBody>
-      </p:sp>
-    </p:spTree>
-  </p:cSld>
-  <p:clrMapOvr>
-    <a:masterClrMapping/>
-  </p:clrMapOvr>
-</p:notes>
-</file>
-
-<file path=ppt/notesSlides/notesSlide2.xml><?xml version="1.0" encoding="utf-8"?>
-<p:notes xmlns:a="http://schemas.openxmlformats.org/drawingml/2006/main" xmlns:r="http://schemas.openxmlformats.org/officeDocument/2006/relationships" xmlns:p="http://schemas.openxmlformats.org/presentationml/2006/main" showMasterSp="0" showMasterPhAnim="0">
-  <p:cSld>
-    <p:spTree>
-      <p:nvGrpSpPr>
         <p:cNvPr id="1" name="Shape 217"/>
         <p:cNvGrpSpPr/>
         <p:nvPr/>
@@ -688,6 +698,107 @@
       <p:sp>
         <p:nvSpPr>
           <p:cNvPr id="219" name="Shape 219"/>
+          <p:cNvSpPr txBox="1">
+            <a:spLocks noGrp="1"/>
+          </p:cNvSpPr>
+          <p:nvPr>
+            <p:ph type="body" idx="1"/>
+          </p:nvPr>
+        </p:nvSpPr>
+        <p:spPr>
+          <a:xfrm>
+            <a:off x="685800" y="4343400"/>
+            <a:ext cx="5486400" cy="4114800"/>
+          </a:xfrm>
+          <a:prstGeom prst="rect">
+            <a:avLst/>
+          </a:prstGeom>
+        </p:spPr>
+        <p:txBody>
+          <a:bodyPr wrap="square" lIns="91425" tIns="91425" rIns="91425" bIns="91425" anchor="t" anchorCtr="0">
+            <a:noAutofit/>
+          </a:bodyPr>
+          <a:lstStyle/>
+          <a:p>
+            <a:pPr lvl="0">
+              <a:spcBef>
+                <a:spcPts val="0"/>
+              </a:spcBef>
+              <a:buNone/>
+            </a:pPr>
+            <a:endParaRPr/>
+          </a:p>
+        </p:txBody>
+      </p:sp>
+    </p:spTree>
+  </p:cSld>
+  <p:clrMapOvr>
+    <a:masterClrMapping/>
+  </p:clrMapOvr>
+</p:notes>
+</file>
+
+<file path=ppt/notesSlides/notesSlide2.xml><?xml version="1.0" encoding="utf-8"?>
+<p:notes xmlns:a="http://schemas.openxmlformats.org/drawingml/2006/main" xmlns:r="http://schemas.openxmlformats.org/officeDocument/2006/relationships" xmlns:p="http://schemas.openxmlformats.org/presentationml/2006/main" showMasterSp="0" showMasterPhAnim="0">
+  <p:cSld>
+    <p:spTree>
+      <p:nvGrpSpPr>
+        <p:cNvPr id="1" name="Shape 232"/>
+        <p:cNvGrpSpPr/>
+        <p:nvPr/>
+      </p:nvGrpSpPr>
+      <p:grpSpPr>
+        <a:xfrm>
+          <a:off x="0" y="0"/>
+          <a:ext cx="0" cy="0"/>
+          <a:chOff x="0" y="0"/>
+          <a:chExt cx="0" cy="0"/>
+        </a:xfrm>
+      </p:grpSpPr>
+      <p:sp>
+        <p:nvSpPr>
+          <p:cNvPr id="233" name="Shape 233"/>
+          <p:cNvSpPr>
+            <a:spLocks noGrp="1" noRot="1" noChangeAspect="1"/>
+          </p:cNvSpPr>
+          <p:nvPr>
+            <p:ph type="sldImg" idx="2"/>
+          </p:nvPr>
+        </p:nvSpPr>
+        <p:spPr>
+          <a:xfrm>
+            <a:off x="381000" y="685800"/>
+            <a:ext cx="6096000" cy="3429000"/>
+          </a:xfrm>
+          <a:custGeom>
+            <a:avLst/>
+            <a:gdLst/>
+            <a:ahLst/>
+            <a:cxnLst/>
+            <a:rect l="0" t="0" r="0" b="0"/>
+            <a:pathLst>
+              <a:path w="120000" h="120000" extrusionOk="0">
+                <a:moveTo>
+                  <a:pt x="0" y="0"/>
+                </a:moveTo>
+                <a:lnTo>
+                  <a:pt x="120000" y="0"/>
+                </a:lnTo>
+                <a:lnTo>
+                  <a:pt x="120000" y="120000"/>
+                </a:lnTo>
+                <a:lnTo>
+                  <a:pt x="0" y="120000"/>
+                </a:lnTo>
+                <a:close/>
+              </a:path>
+            </a:pathLst>
+          </a:custGeom>
+        </p:spPr>
+      </p:sp>
+      <p:sp>
+        <p:nvSpPr>
+          <p:cNvPr id="234" name="Shape 234"/>
           <p:cNvSpPr txBox="1">
             <a:spLocks noGrp="1"/>
           </p:cNvSpPr>
@@ -822,6 +933,11 @@
         </p:txBody>
       </p:sp>
     </p:spTree>
+    <p:extLst>
+      <p:ext uri="{BB962C8B-B14F-4D97-AF65-F5344CB8AC3E}">
+        <p14:creationId xmlns:p14="http://schemas.microsoft.com/office/powerpoint/2010/main" val="956879844"/>
+      </p:ext>
+    </p:extLst>
   </p:cSld>
   <p:clrMapOvr>
     <a:masterClrMapping/>
@@ -925,7 +1041,7 @@
     </p:spTree>
     <p:extLst>
       <p:ext uri="{BB962C8B-B14F-4D97-AF65-F5344CB8AC3E}">
-        <p14:creationId xmlns:p14="http://schemas.microsoft.com/office/powerpoint/2010/main" val="956879844"/>
+        <p14:creationId xmlns:p14="http://schemas.microsoft.com/office/powerpoint/2010/main" val="2782087316"/>
       </p:ext>
     </p:extLst>
   </p:cSld>
@@ -1031,7 +1147,7 @@
     </p:spTree>
     <p:extLst>
       <p:ext uri="{BB962C8B-B14F-4D97-AF65-F5344CB8AC3E}">
-        <p14:creationId xmlns:p14="http://schemas.microsoft.com/office/powerpoint/2010/main" val="2782087316"/>
+        <p14:creationId xmlns:p14="http://schemas.microsoft.com/office/powerpoint/2010/main" val="2170288093"/>
       </p:ext>
     </p:extLst>
   </p:cSld>
@@ -1137,112 +1253,6 @@
     </p:spTree>
     <p:extLst>
       <p:ext uri="{BB962C8B-B14F-4D97-AF65-F5344CB8AC3E}">
-        <p14:creationId xmlns:p14="http://schemas.microsoft.com/office/powerpoint/2010/main" val="2170288093"/>
-      </p:ext>
-    </p:extLst>
-  </p:cSld>
-  <p:clrMapOvr>
-    <a:masterClrMapping/>
-  </p:clrMapOvr>
-</p:notes>
-</file>
-
-<file path=ppt/notesSlides/notesSlide7.xml><?xml version="1.0" encoding="utf-8"?>
-<p:notes xmlns:a="http://schemas.openxmlformats.org/drawingml/2006/main" xmlns:r="http://schemas.openxmlformats.org/officeDocument/2006/relationships" xmlns:p="http://schemas.openxmlformats.org/presentationml/2006/main" showMasterSp="0" showMasterPhAnim="0">
-  <p:cSld>
-    <p:spTree>
-      <p:nvGrpSpPr>
-        <p:cNvPr id="1" name="Shape 232"/>
-        <p:cNvGrpSpPr/>
-        <p:nvPr/>
-      </p:nvGrpSpPr>
-      <p:grpSpPr>
-        <a:xfrm>
-          <a:off x="0" y="0"/>
-          <a:ext cx="0" cy="0"/>
-          <a:chOff x="0" y="0"/>
-          <a:chExt cx="0" cy="0"/>
-        </a:xfrm>
-      </p:grpSpPr>
-      <p:sp>
-        <p:nvSpPr>
-          <p:cNvPr id="233" name="Shape 233"/>
-          <p:cNvSpPr>
-            <a:spLocks noGrp="1" noRot="1" noChangeAspect="1"/>
-          </p:cNvSpPr>
-          <p:nvPr>
-            <p:ph type="sldImg" idx="2"/>
-          </p:nvPr>
-        </p:nvSpPr>
-        <p:spPr>
-          <a:xfrm>
-            <a:off x="381000" y="685800"/>
-            <a:ext cx="6096000" cy="3429000"/>
-          </a:xfrm>
-          <a:custGeom>
-            <a:avLst/>
-            <a:gdLst/>
-            <a:ahLst/>
-            <a:cxnLst/>
-            <a:rect l="0" t="0" r="0" b="0"/>
-            <a:pathLst>
-              <a:path w="120000" h="120000" extrusionOk="0">
-                <a:moveTo>
-                  <a:pt x="0" y="0"/>
-                </a:moveTo>
-                <a:lnTo>
-                  <a:pt x="120000" y="0"/>
-                </a:lnTo>
-                <a:lnTo>
-                  <a:pt x="120000" y="120000"/>
-                </a:lnTo>
-                <a:lnTo>
-                  <a:pt x="0" y="120000"/>
-                </a:lnTo>
-                <a:close/>
-              </a:path>
-            </a:pathLst>
-          </a:custGeom>
-        </p:spPr>
-      </p:sp>
-      <p:sp>
-        <p:nvSpPr>
-          <p:cNvPr id="234" name="Shape 234"/>
-          <p:cNvSpPr txBox="1">
-            <a:spLocks noGrp="1"/>
-          </p:cNvSpPr>
-          <p:nvPr>
-            <p:ph type="body" idx="1"/>
-          </p:nvPr>
-        </p:nvSpPr>
-        <p:spPr>
-          <a:xfrm>
-            <a:off x="685800" y="4343400"/>
-            <a:ext cx="5486400" cy="4114800"/>
-          </a:xfrm>
-          <a:prstGeom prst="rect">
-            <a:avLst/>
-          </a:prstGeom>
-        </p:spPr>
-        <p:txBody>
-          <a:bodyPr wrap="square" lIns="91425" tIns="91425" rIns="91425" bIns="91425" anchor="t" anchorCtr="0">
-            <a:noAutofit/>
-          </a:bodyPr>
-          <a:lstStyle/>
-          <a:p>
-            <a:pPr lvl="0">
-              <a:spcBef>
-                <a:spcPts val="0"/>
-              </a:spcBef>
-              <a:buNone/>
-            </a:pPr>
-            <a:endParaRPr/>
-          </a:p>
-        </p:txBody>
-      </p:sp>
-    </p:spTree>
-    <p:extLst>
-      <p:ext uri="{BB962C8B-B14F-4D97-AF65-F5344CB8AC3E}">
         <p14:creationId xmlns:p14="http://schemas.microsoft.com/office/powerpoint/2010/main" val="2682157297"/>
       </p:ext>
     </p:extLst>
@@ -1254,502 +1264,6 @@
 </file>
 
 <file path=ppt/slideLayouts/slideLayout1.xml><?xml version="1.0" encoding="utf-8"?>
-<p:sldLayout xmlns:a="http://schemas.openxmlformats.org/drawingml/2006/main" xmlns:r="http://schemas.openxmlformats.org/officeDocument/2006/relationships" xmlns:p="http://schemas.openxmlformats.org/presentationml/2006/main" type="title">
-  <p:cSld name="Title">
-    <p:spTree>
-      <p:nvGrpSpPr>
-        <p:cNvPr id="1" name="Shape 9"/>
-        <p:cNvGrpSpPr/>
-        <p:nvPr/>
-      </p:nvGrpSpPr>
-      <p:grpSpPr>
-        <a:xfrm>
-          <a:off x="0" y="0"/>
-          <a:ext cx="0" cy="0"/>
-          <a:chOff x="0" y="0"/>
-          <a:chExt cx="0" cy="0"/>
-        </a:xfrm>
-      </p:grpSpPr>
-      <p:sp>
-        <p:nvSpPr>
-          <p:cNvPr id="10" name="Shape 10"/>
-          <p:cNvSpPr/>
-          <p:nvPr/>
-        </p:nvSpPr>
-        <p:spPr>
-          <a:xfrm>
-            <a:off x="7544483" y="657775"/>
-            <a:ext cx="1299300" cy="432900"/>
-          </a:xfrm>
-          <a:prstGeom prst="triangle">
-            <a:avLst>
-              <a:gd name="adj" fmla="val 32425"/>
-            </a:avLst>
-          </a:prstGeom>
-          <a:solidFill>
-            <a:srgbClr val="263248"/>
-          </a:solidFill>
-          <a:ln>
-            <a:noFill/>
-          </a:ln>
-        </p:spPr>
-        <p:txBody>
-          <a:bodyPr wrap="square" lIns="91425" tIns="91425" rIns="91425" bIns="91425" anchor="ctr" anchorCtr="0">
-            <a:noAutofit/>
-          </a:bodyPr>
-          <a:lstStyle/>
-          <a:p>
-            <a:pPr lvl="0" rtl="0">
-              <a:spcBef>
-                <a:spcPts val="0"/>
-              </a:spcBef>
-              <a:buNone/>
-            </a:pPr>
-            <a:endParaRPr>
-              <a:latin typeface="Arvo"/>
-              <a:ea typeface="Arvo"/>
-              <a:cs typeface="Arvo"/>
-              <a:sym typeface="Arvo"/>
-            </a:endParaRPr>
-          </a:p>
-        </p:txBody>
-      </p:sp>
-      <p:grpSp>
-        <p:nvGrpSpPr>
-          <p:cNvPr id="11" name="Shape 11"/>
-          <p:cNvGrpSpPr/>
-          <p:nvPr/>
-        </p:nvGrpSpPr>
-        <p:grpSpPr>
-          <a:xfrm>
-            <a:off x="0" y="-7088"/>
-            <a:ext cx="8661398" cy="5150588"/>
-            <a:chOff x="0" y="-7088"/>
-            <a:chExt cx="8661398" cy="5150588"/>
-          </a:xfrm>
-        </p:grpSpPr>
-        <p:sp>
-          <p:nvSpPr>
-            <p:cNvPr id="12" name="Shape 12"/>
-            <p:cNvSpPr/>
-            <p:nvPr/>
-          </p:nvSpPr>
-          <p:spPr>
-            <a:xfrm>
-              <a:off x="0" y="0"/>
-              <a:ext cx="3525000" cy="5143500"/>
-            </a:xfrm>
-            <a:prstGeom prst="rect">
-              <a:avLst/>
-            </a:prstGeom>
-            <a:solidFill>
-              <a:srgbClr val="C7D3E6"/>
-            </a:solidFill>
-            <a:ln>
-              <a:noFill/>
-            </a:ln>
-          </p:spPr>
-          <p:txBody>
-            <a:bodyPr wrap="square" lIns="91425" tIns="91425" rIns="91425" bIns="91425" anchor="ctr" anchorCtr="0">
-              <a:noAutofit/>
-            </a:bodyPr>
-            <a:lstStyle/>
-            <a:p>
-              <a:pPr lvl="0">
-                <a:spcBef>
-                  <a:spcPts val="0"/>
-                </a:spcBef>
-                <a:buNone/>
-              </a:pPr>
-              <a:endParaRPr/>
-            </a:p>
-          </p:txBody>
-        </p:sp>
-        <p:sp>
-          <p:nvSpPr>
-            <p:cNvPr id="13" name="Shape 13"/>
-            <p:cNvSpPr/>
-            <p:nvPr/>
-          </p:nvSpPr>
-          <p:spPr>
-            <a:xfrm rot="10800000" flipH="1">
-              <a:off x="3517898" y="-7088"/>
-              <a:ext cx="5143500" cy="5143500"/>
-            </a:xfrm>
-            <a:prstGeom prst="rtTriangle">
-              <a:avLst/>
-            </a:prstGeom>
-            <a:solidFill>
-              <a:srgbClr val="C7D3E6"/>
-            </a:solidFill>
-            <a:ln>
-              <a:noFill/>
-            </a:ln>
-          </p:spPr>
-          <p:txBody>
-            <a:bodyPr wrap="square" lIns="91425" tIns="91425" rIns="91425" bIns="91425" anchor="ctr" anchorCtr="0">
-              <a:noAutofit/>
-            </a:bodyPr>
-            <a:lstStyle/>
-            <a:p>
-              <a:pPr lvl="0" rtl="0">
-                <a:spcBef>
-                  <a:spcPts val="0"/>
-                </a:spcBef>
-                <a:buNone/>
-              </a:pPr>
-              <a:endParaRPr>
-                <a:latin typeface="Arvo"/>
-                <a:ea typeface="Arvo"/>
-                <a:cs typeface="Arvo"/>
-                <a:sym typeface="Arvo"/>
-              </a:endParaRPr>
-            </a:p>
-          </p:txBody>
-        </p:sp>
-      </p:grpSp>
-      <p:grpSp>
-        <p:nvGrpSpPr>
-          <p:cNvPr id="14" name="Shape 14"/>
-          <p:cNvGrpSpPr/>
-          <p:nvPr/>
-        </p:nvGrpSpPr>
-        <p:grpSpPr>
-          <a:xfrm rot="10800000" flipH="1">
-            <a:off x="1" y="1090763"/>
-            <a:ext cx="8847502" cy="2961975"/>
-            <a:chOff x="-8178042" y="-4493254"/>
-            <a:chExt cx="19483598" cy="6522736"/>
-          </a:xfrm>
-        </p:grpSpPr>
-        <p:sp>
-          <p:nvSpPr>
-            <p:cNvPr id="15" name="Shape 15"/>
-            <p:cNvSpPr/>
-            <p:nvPr/>
-          </p:nvSpPr>
-          <p:spPr>
-            <a:xfrm>
-              <a:off x="-8178042" y="-4493118"/>
-              <a:ext cx="12968400" cy="6522600"/>
-            </a:xfrm>
-            <a:prstGeom prst="rect">
-              <a:avLst/>
-            </a:prstGeom>
-            <a:solidFill>
-              <a:srgbClr val="3F5378"/>
-            </a:solidFill>
-            <a:ln>
-              <a:noFill/>
-            </a:ln>
-          </p:spPr>
-          <p:txBody>
-            <a:bodyPr wrap="square" lIns="91425" tIns="91425" rIns="91425" bIns="91425" anchor="ctr" anchorCtr="0">
-              <a:noAutofit/>
-            </a:bodyPr>
-            <a:lstStyle/>
-            <a:p>
-              <a:pPr lvl="0" rtl="0">
-                <a:spcBef>
-                  <a:spcPts val="0"/>
-                </a:spcBef>
-                <a:buNone/>
-              </a:pPr>
-              <a:endParaRPr>
-                <a:latin typeface="Arvo"/>
-                <a:ea typeface="Arvo"/>
-                <a:cs typeface="Arvo"/>
-                <a:sym typeface="Arvo"/>
-              </a:endParaRPr>
-            </a:p>
-          </p:txBody>
-        </p:sp>
-        <p:sp>
-          <p:nvSpPr>
-            <p:cNvPr id="16" name="Shape 16"/>
-            <p:cNvSpPr/>
-            <p:nvPr/>
-          </p:nvSpPr>
-          <p:spPr>
-            <a:xfrm>
-              <a:off x="4782955" y="-4493254"/>
-              <a:ext cx="6522600" cy="6522600"/>
-            </a:xfrm>
-            <a:prstGeom prst="rtTriangle">
-              <a:avLst/>
-            </a:prstGeom>
-            <a:solidFill>
-              <a:srgbClr val="3F5378"/>
-            </a:solidFill>
-            <a:ln>
-              <a:noFill/>
-            </a:ln>
-          </p:spPr>
-          <p:txBody>
-            <a:bodyPr wrap="square" lIns="91425" tIns="91425" rIns="91425" bIns="91425" anchor="ctr" anchorCtr="0">
-              <a:noAutofit/>
-            </a:bodyPr>
-            <a:lstStyle/>
-            <a:p>
-              <a:pPr lvl="0" rtl="0">
-                <a:spcBef>
-                  <a:spcPts val="0"/>
-                </a:spcBef>
-                <a:buNone/>
-              </a:pPr>
-              <a:endParaRPr>
-                <a:latin typeface="Arvo"/>
-                <a:ea typeface="Arvo"/>
-                <a:cs typeface="Arvo"/>
-                <a:sym typeface="Arvo"/>
-              </a:endParaRPr>
-            </a:p>
-          </p:txBody>
-        </p:sp>
-      </p:grpSp>
-      <p:grpSp>
-        <p:nvGrpSpPr>
-          <p:cNvPr id="17" name="Shape 17"/>
-          <p:cNvGrpSpPr/>
-          <p:nvPr/>
-        </p:nvGrpSpPr>
-        <p:grpSpPr>
-          <a:xfrm>
-            <a:off x="3677236" y="4278349"/>
-            <a:ext cx="5480829" cy="432996"/>
-            <a:chOff x="5582265" y="4646738"/>
-            <a:chExt cx="5480829" cy="432996"/>
-          </a:xfrm>
-        </p:grpSpPr>
-        <p:sp>
-          <p:nvSpPr>
-            <p:cNvPr id="18" name="Shape 18"/>
-            <p:cNvSpPr/>
-            <p:nvPr/>
-          </p:nvSpPr>
-          <p:spPr>
-            <a:xfrm rot="10800000">
-              <a:off x="5582265" y="4948334"/>
-              <a:ext cx="394200" cy="131400"/>
-            </a:xfrm>
-            <a:prstGeom prst="triangle">
-              <a:avLst>
-                <a:gd name="adj" fmla="val 32425"/>
-              </a:avLst>
-            </a:prstGeom>
-            <a:solidFill>
-              <a:srgbClr val="D26F00"/>
-            </a:solidFill>
-            <a:ln>
-              <a:noFill/>
-            </a:ln>
-          </p:spPr>
-          <p:txBody>
-            <a:bodyPr wrap="square" lIns="91425" tIns="91425" rIns="91425" bIns="91425" anchor="ctr" anchorCtr="0">
-              <a:noAutofit/>
-            </a:bodyPr>
-            <a:lstStyle/>
-            <a:p>
-              <a:pPr lvl="0">
-                <a:spcBef>
-                  <a:spcPts val="0"/>
-                </a:spcBef>
-                <a:buNone/>
-              </a:pPr>
-              <a:endParaRPr/>
-            </a:p>
-          </p:txBody>
-        </p:sp>
-        <p:grpSp>
-          <p:nvGrpSpPr>
-            <p:cNvPr id="19" name="Shape 19"/>
-            <p:cNvGrpSpPr/>
-            <p:nvPr/>
-          </p:nvGrpSpPr>
-          <p:grpSpPr>
-            <a:xfrm flipH="1">
-              <a:off x="5585232" y="4646738"/>
-              <a:ext cx="5477861" cy="304551"/>
-              <a:chOff x="-24158748" y="330075"/>
-              <a:chExt cx="30568423" cy="1699506"/>
-            </a:xfrm>
-          </p:grpSpPr>
-          <p:sp>
-            <p:nvSpPr>
-              <p:cNvPr id="20" name="Shape 20"/>
-              <p:cNvSpPr/>
-              <p:nvPr/>
-            </p:nvSpPr>
-            <p:spPr>
-              <a:xfrm>
-                <a:off x="-24158748" y="330081"/>
-                <a:ext cx="28908000" cy="1699500"/>
-              </a:xfrm>
-              <a:prstGeom prst="rect">
-                <a:avLst/>
-              </a:prstGeom>
-              <a:solidFill>
-                <a:srgbClr val="FF9800"/>
-              </a:solidFill>
-              <a:ln>
-                <a:noFill/>
-              </a:ln>
-            </p:spPr>
-            <p:txBody>
-              <a:bodyPr wrap="square" lIns="91425" tIns="91425" rIns="91425" bIns="91425" anchor="ctr" anchorCtr="0">
-                <a:noAutofit/>
-              </a:bodyPr>
-              <a:lstStyle/>
-              <a:p>
-                <a:pPr lvl="0" rtl="0">
-                  <a:spcBef>
-                    <a:spcPts val="0"/>
-                  </a:spcBef>
-                  <a:buNone/>
-                </a:pPr>
-                <a:endParaRPr/>
-              </a:p>
-            </p:txBody>
-          </p:sp>
-          <p:sp>
-            <p:nvSpPr>
-              <p:cNvPr id="21" name="Shape 21"/>
-              <p:cNvSpPr/>
-              <p:nvPr/>
-            </p:nvSpPr>
-            <p:spPr>
-              <a:xfrm>
-                <a:off x="4710175" y="330075"/>
-                <a:ext cx="1699500" cy="1699500"/>
-              </a:xfrm>
-              <a:prstGeom prst="rtTriangle">
-                <a:avLst/>
-              </a:prstGeom>
-              <a:solidFill>
-                <a:srgbClr val="FF9800"/>
-              </a:solidFill>
-              <a:ln>
-                <a:noFill/>
-              </a:ln>
-            </p:spPr>
-            <p:txBody>
-              <a:bodyPr wrap="square" lIns="91425" tIns="91425" rIns="91425" bIns="91425" anchor="ctr" anchorCtr="0">
-                <a:noAutofit/>
-              </a:bodyPr>
-              <a:lstStyle/>
-              <a:p>
-                <a:pPr lvl="0">
-                  <a:spcBef>
-                    <a:spcPts val="0"/>
-                  </a:spcBef>
-                  <a:buNone/>
-                </a:pPr>
-                <a:endParaRPr/>
-              </a:p>
-            </p:txBody>
-          </p:sp>
-        </p:grpSp>
-      </p:grpSp>
-      <p:sp>
-        <p:nvSpPr>
-          <p:cNvPr id="22" name="Shape 22"/>
-          <p:cNvSpPr txBox="1">
-            <a:spLocks noGrp="1"/>
-          </p:cNvSpPr>
-          <p:nvPr>
-            <p:ph type="ctrTitle"/>
-          </p:nvPr>
-        </p:nvSpPr>
-        <p:spPr>
-          <a:xfrm>
-            <a:off x="685800" y="1090750"/>
-            <a:ext cx="5367900" cy="2961900"/>
-          </a:xfrm>
-          <a:prstGeom prst="rect">
-            <a:avLst/>
-          </a:prstGeom>
-        </p:spPr>
-        <p:txBody>
-          <a:bodyPr wrap="square" lIns="91425" tIns="91425" rIns="91425" bIns="91425" anchor="ctr" anchorCtr="0"/>
-          <a:lstStyle>
-            <a:lvl1pPr lvl="0">
-              <a:spcBef>
-                <a:spcPts val="0"/>
-              </a:spcBef>
-              <a:buSzPct val="100000"/>
-              <a:defRPr sz="4800"/>
-            </a:lvl1pPr>
-            <a:lvl2pPr lvl="1" algn="ctr">
-              <a:spcBef>
-                <a:spcPts val="0"/>
-              </a:spcBef>
-              <a:buSzPct val="100000"/>
-              <a:defRPr sz="4800"/>
-            </a:lvl2pPr>
-            <a:lvl3pPr lvl="2" algn="ctr">
-              <a:spcBef>
-                <a:spcPts val="0"/>
-              </a:spcBef>
-              <a:buSzPct val="100000"/>
-              <a:defRPr sz="4800"/>
-            </a:lvl3pPr>
-            <a:lvl4pPr lvl="3" algn="ctr">
-              <a:spcBef>
-                <a:spcPts val="0"/>
-              </a:spcBef>
-              <a:buSzPct val="100000"/>
-              <a:defRPr sz="4800"/>
-            </a:lvl4pPr>
-            <a:lvl5pPr lvl="4" algn="ctr">
-              <a:spcBef>
-                <a:spcPts val="0"/>
-              </a:spcBef>
-              <a:buSzPct val="100000"/>
-              <a:defRPr sz="4800"/>
-            </a:lvl5pPr>
-            <a:lvl6pPr lvl="5" algn="ctr">
-              <a:spcBef>
-                <a:spcPts val="0"/>
-              </a:spcBef>
-              <a:buSzPct val="100000"/>
-              <a:defRPr sz="4800"/>
-            </a:lvl6pPr>
-            <a:lvl7pPr lvl="6" algn="ctr">
-              <a:spcBef>
-                <a:spcPts val="0"/>
-              </a:spcBef>
-              <a:buSzPct val="100000"/>
-              <a:defRPr sz="4800"/>
-            </a:lvl7pPr>
-            <a:lvl8pPr lvl="7" algn="ctr">
-              <a:spcBef>
-                <a:spcPts val="0"/>
-              </a:spcBef>
-              <a:buSzPct val="100000"/>
-              <a:defRPr sz="4800"/>
-            </a:lvl8pPr>
-            <a:lvl9pPr lvl="8" algn="ctr">
-              <a:spcBef>
-                <a:spcPts val="0"/>
-              </a:spcBef>
-              <a:buSzPct val="100000"/>
-              <a:defRPr sz="4800"/>
-            </a:lvl9pPr>
-          </a:lstStyle>
-          <a:p>
-            <a:endParaRPr/>
-          </a:p>
-        </p:txBody>
-      </p:sp>
-    </p:spTree>
-  </p:cSld>
-  <p:clrMapOvr>
-    <a:masterClrMapping/>
-  </p:clrMapOvr>
-</p:sldLayout>
-</file>
-
-<file path=ppt/slideLayouts/slideLayout2.xml><?xml version="1.0" encoding="utf-8"?>
 <p:sldLayout xmlns:a="http://schemas.openxmlformats.org/drawingml/2006/main" xmlns:r="http://schemas.openxmlformats.org/officeDocument/2006/relationships" xmlns:p="http://schemas.openxmlformats.org/presentationml/2006/main">
   <p:cSld name="Subtitle">
     <p:spTree>
@@ -2536,7 +2050,7 @@
 </p:sldLayout>
 </file>
 
-<file path=ppt/slideLayouts/slideLayout3.xml><?xml version="1.0" encoding="utf-8"?>
+<file path=ppt/slideLayouts/slideLayout2.xml><?xml version="1.0" encoding="utf-8"?>
 <p:sldLayout xmlns:a="http://schemas.openxmlformats.org/drawingml/2006/main" xmlns:r="http://schemas.openxmlformats.org/officeDocument/2006/relationships" xmlns:p="http://schemas.openxmlformats.org/presentationml/2006/main" type="tx">
   <p:cSld name="Title + 1 column">
     <p:spTree>
@@ -3792,9 +3306,8 @@
   </p:cSld>
   <p:clrMap bg1="lt1" tx1="dk1" bg2="dk2" tx2="lt2" accent1="accent1" accent2="accent2" accent3="accent3" accent4="accent4" accent5="accent5" accent6="accent6" hlink="hlink" folHlink="folHlink"/>
   <p:sldLayoutIdLst>
-    <p:sldLayoutId id="2147483648" r:id="rId1"/>
-    <p:sldLayoutId id="2147483649" r:id="rId2"/>
-    <p:sldLayoutId id="2147483651" r:id="rId3"/>
+    <p:sldLayoutId id="2147483649" r:id="rId1"/>
+    <p:sldLayoutId id="2147483651" r:id="rId2"/>
   </p:sldLayoutIdLst>
   <p:transition>
     <p:fade thruBlk="1"/>
@@ -4248,75 +3761,6 @@
   <p:cSld>
     <p:spTree>
       <p:nvGrpSpPr>
-        <p:cNvPr id="1" name="Shape 183"/>
-        <p:cNvGrpSpPr/>
-        <p:nvPr/>
-      </p:nvGrpSpPr>
-      <p:grpSpPr>
-        <a:xfrm>
-          <a:off x="0" y="0"/>
-          <a:ext cx="0" cy="0"/>
-          <a:chOff x="0" y="0"/>
-          <a:chExt cx="0" cy="0"/>
-        </a:xfrm>
-      </p:grpSpPr>
-      <p:sp>
-        <p:nvSpPr>
-          <p:cNvPr id="184" name="Shape 184"/>
-          <p:cNvSpPr txBox="1">
-            <a:spLocks noGrp="1"/>
-          </p:cNvSpPr>
-          <p:nvPr>
-            <p:ph type="ctrTitle"/>
-          </p:nvPr>
-        </p:nvSpPr>
-        <p:spPr>
-          <a:xfrm>
-            <a:off x="356715" y="1341959"/>
-            <a:ext cx="6927273" cy="2961900"/>
-          </a:xfrm>
-          <a:prstGeom prst="rect">
-            <a:avLst/>
-          </a:prstGeom>
-        </p:spPr>
-        <p:txBody>
-          <a:bodyPr wrap="square" lIns="91425" tIns="91425" rIns="91425" bIns="91425" anchor="ctr" anchorCtr="0">
-            <a:noAutofit/>
-          </a:bodyPr>
-          <a:lstStyle/>
-          <a:p>
-            <a:r>
-              <a:rPr lang="de-DE"/>
-              <a:t>C++ Komplettkurs: Praxisnahe und Moderne C++ Programmierung</a:t>
-            </a:r>
-            <a:br>
-              <a:rPr lang="de-DE"/>
-            </a:br>
-            <a:endParaRPr lang="de-DE" dirty="0">
-              <a:effectLst>
-                <a:outerShdw blurRad="38100" dist="38100" dir="2700000" algn="tl">
-                  <a:srgbClr val="000000">
-                    <a:alpha val="43137"/>
-                  </a:srgbClr>
-                </a:outerShdw>
-              </a:effectLst>
-            </a:endParaRPr>
-          </a:p>
-        </p:txBody>
-      </p:sp>
-    </p:spTree>
-  </p:cSld>
-  <p:clrMapOvr>
-    <a:masterClrMapping/>
-  </p:clrMapOvr>
-</p:sld>
-</file>
-
-<file path=ppt/slides/slide2.xml><?xml version="1.0" encoding="utf-8"?>
-<p:sld xmlns:a="http://schemas.openxmlformats.org/drawingml/2006/main" xmlns:r="http://schemas.openxmlformats.org/officeDocument/2006/relationships" xmlns:p="http://schemas.openxmlformats.org/presentationml/2006/main">
-  <p:cSld>
-    <p:spTree>
-      <p:nvGrpSpPr>
         <p:cNvPr id="1" name="Shape 220"/>
         <p:cNvGrpSpPr/>
         <p:nvPr/>
@@ -4440,9 +3884,285 @@
             </a:pPr>
             <a:fld id="{00000000-1234-1234-1234-123412341234}" type="slidenum">
               <a:rPr lang="en"/>
+              <a:t>1</a:t>
+            </a:fld>
+            <a:endParaRPr lang="en"/>
+          </a:p>
+        </p:txBody>
+      </p:sp>
+    </p:spTree>
+  </p:cSld>
+  <p:clrMapOvr>
+    <a:masterClrMapping/>
+  </p:clrMapOvr>
+</p:sld>
+</file>
+
+<file path=ppt/slides/slide2.xml><?xml version="1.0" encoding="utf-8"?>
+<p:sld xmlns:a="http://schemas.openxmlformats.org/drawingml/2006/main" xmlns:r="http://schemas.openxmlformats.org/officeDocument/2006/relationships" xmlns:p="http://schemas.openxmlformats.org/presentationml/2006/main">
+  <p:cSld>
+    <p:spTree>
+      <p:nvGrpSpPr>
+        <p:cNvPr id="1" name="Shape 235"/>
+        <p:cNvGrpSpPr/>
+        <p:nvPr/>
+      </p:nvGrpSpPr>
+      <p:grpSpPr>
+        <a:xfrm>
+          <a:off x="0" y="0"/>
+          <a:ext cx="0" cy="0"/>
+          <a:chOff x="0" y="0"/>
+          <a:chExt cx="0" cy="0"/>
+        </a:xfrm>
+      </p:grpSpPr>
+      <p:sp>
+        <p:nvSpPr>
+          <p:cNvPr id="236" name="Shape 236"/>
+          <p:cNvSpPr txBox="1">
+            <a:spLocks noGrp="1"/>
+          </p:cNvSpPr>
+          <p:nvPr>
+            <p:ph type="title"/>
+          </p:nvPr>
+        </p:nvSpPr>
+        <p:spPr>
+          <a:prstGeom prst="rect">
+            <a:avLst/>
+          </a:prstGeom>
+        </p:spPr>
+        <p:txBody>
+          <a:bodyPr wrap="square" lIns="91425" tIns="91425" rIns="91425" bIns="91425" anchor="ctr" anchorCtr="0">
+            <a:noAutofit/>
+          </a:bodyPr>
+          <a:lstStyle/>
+          <a:p>
+            <a:pPr lvl="0">
+              <a:spcBef>
+                <a:spcPts val="0"/>
+              </a:spcBef>
+              <a:buNone/>
+            </a:pPr>
+            <a:r>
+              <a:rPr lang="de-DE" dirty="0"/>
+              <a:t>LAMBDA AUSDRÜCKE</a:t>
+            </a:r>
+            <a:endParaRPr lang="en" dirty="0"/>
+          </a:p>
+        </p:txBody>
+      </p:sp>
+      <p:sp>
+        <p:nvSpPr>
+          <p:cNvPr id="237" name="Shape 237"/>
+          <p:cNvSpPr txBox="1">
+            <a:spLocks noGrp="1"/>
+          </p:cNvSpPr>
+          <p:nvPr>
+            <p:ph type="body" idx="1"/>
+          </p:nvPr>
+        </p:nvSpPr>
+        <p:spPr>
+          <a:xfrm>
+            <a:off x="757125" y="1648800"/>
+            <a:ext cx="6132600" cy="3145500"/>
+          </a:xfrm>
+          <a:prstGeom prst="rect">
+            <a:avLst/>
+          </a:prstGeom>
+        </p:spPr>
+        <p:txBody>
+          <a:bodyPr wrap="square" lIns="91425" tIns="91425" rIns="91425" bIns="91425" anchor="ctr" anchorCtr="0">
+            <a:noAutofit/>
+          </a:bodyPr>
+          <a:lstStyle/>
+          <a:p>
+            <a:pPr marL="457200" lvl="0" indent="-381000" rtl="0">
+              <a:spcBef>
+                <a:spcPts val="0"/>
+              </a:spcBef>
+              <a:spcAft>
+                <a:spcPts val="1000"/>
+              </a:spcAft>
+              <a:buSzPct val="100000"/>
+              <a:buFont typeface="Arial" panose="020B0604020202020204" pitchFamily="34" charset="0"/>
+              <a:buChar char="•"/>
+            </a:pPr>
+            <a:r>
+              <a:rPr lang="de-DE" dirty="0"/>
+              <a:t>Lambda Ausdrücke sind anonyme Funktionen die lokal verwendet werden können</a:t>
+            </a:r>
+          </a:p>
+          <a:p>
+            <a:pPr marL="457200" lvl="0" indent="-381000" rtl="0">
+              <a:spcBef>
+                <a:spcPts val="0"/>
+              </a:spcBef>
+              <a:spcAft>
+                <a:spcPts val="1000"/>
+              </a:spcAft>
+              <a:buSzPct val="100000"/>
+              <a:buFont typeface="Arial" panose="020B0604020202020204" pitchFamily="34" charset="0"/>
+              <a:buChar char="•"/>
+            </a:pPr>
+            <a:endParaRPr lang="de-DE" dirty="0"/>
+          </a:p>
+          <a:p>
+            <a:pPr marL="457200" lvl="0" indent="-381000" rtl="0">
+              <a:spcBef>
+                <a:spcPts val="0"/>
+              </a:spcBef>
+              <a:spcAft>
+                <a:spcPts val="1000"/>
+              </a:spcAft>
+              <a:buSzPct val="100000"/>
+              <a:buFont typeface="Arial" panose="020B0604020202020204" pitchFamily="34" charset="0"/>
+              <a:buChar char="•"/>
+            </a:pPr>
+            <a:endParaRPr lang="de-DE" dirty="0"/>
+          </a:p>
+          <a:p>
+            <a:pPr marL="457200" lvl="0" indent="-381000" rtl="0">
+              <a:spcBef>
+                <a:spcPts val="0"/>
+              </a:spcBef>
+              <a:spcAft>
+                <a:spcPts val="1000"/>
+              </a:spcAft>
+              <a:buSzPct val="100000"/>
+              <a:buFont typeface="Arial" panose="020B0604020202020204" pitchFamily="34" charset="0"/>
+              <a:buChar char="•"/>
+            </a:pPr>
+            <a:endParaRPr lang="de-DE" dirty="0"/>
+          </a:p>
+          <a:p>
+            <a:pPr marL="457200" lvl="0" indent="-381000" rtl="0">
+              <a:spcBef>
+                <a:spcPts val="0"/>
+              </a:spcBef>
+              <a:spcAft>
+                <a:spcPts val="1000"/>
+              </a:spcAft>
+              <a:buSzPct val="100000"/>
+              <a:buFont typeface="Arial" panose="020B0604020202020204" pitchFamily="34" charset="0"/>
+              <a:buChar char="•"/>
+            </a:pPr>
+            <a:endParaRPr lang="de-DE" dirty="0"/>
+          </a:p>
+        </p:txBody>
+      </p:sp>
+      <p:sp>
+        <p:nvSpPr>
+          <p:cNvPr id="238" name="Shape 238"/>
+          <p:cNvSpPr txBox="1">
+            <a:spLocks noGrp="1"/>
+          </p:cNvSpPr>
+          <p:nvPr>
+            <p:ph type="sldNum" idx="12"/>
+          </p:nvPr>
+        </p:nvSpPr>
+        <p:spPr>
+          <a:prstGeom prst="rect">
+            <a:avLst/>
+          </a:prstGeom>
+        </p:spPr>
+        <p:txBody>
+          <a:bodyPr wrap="square" lIns="91425" tIns="91425" rIns="91425" bIns="91425" anchor="ctr" anchorCtr="0">
+            <a:noAutofit/>
+          </a:bodyPr>
+          <a:lstStyle/>
+          <a:p>
+            <a:pPr lvl="0">
+              <a:spcBef>
+                <a:spcPts val="0"/>
+              </a:spcBef>
+              <a:buNone/>
+            </a:pPr>
+            <a:fld id="{00000000-1234-1234-1234-123412341234}" type="slidenum">
+              <a:rPr lang="en"/>
               <a:t>2</a:t>
             </a:fld>
             <a:endParaRPr lang="en"/>
+          </a:p>
+        </p:txBody>
+      </p:sp>
+      <p:pic>
+        <p:nvPicPr>
+          <p:cNvPr id="2" name="Grafik 1">
+            <a:extLst>
+              <a:ext uri="{FF2B5EF4-FFF2-40B4-BE49-F238E27FC236}">
+                <a16:creationId xmlns:a16="http://schemas.microsoft.com/office/drawing/2014/main" id="{CD8897D8-54E9-42D1-ABC4-133A6E30BBF9}"/>
+              </a:ext>
+            </a:extLst>
+          </p:cNvPr>
+          <p:cNvPicPr>
+            <a:picLocks noChangeAspect="1"/>
+          </p:cNvPicPr>
+          <p:nvPr/>
+        </p:nvPicPr>
+        <p:blipFill>
+          <a:blip r:embed="rId3"/>
+          <a:stretch>
+            <a:fillRect/>
+          </a:stretch>
+        </p:blipFill>
+        <p:spPr>
+          <a:xfrm>
+            <a:off x="883447" y="2816996"/>
+            <a:ext cx="7767376" cy="518584"/>
+          </a:xfrm>
+          <a:prstGeom prst="rect">
+            <a:avLst/>
+          </a:prstGeom>
+        </p:spPr>
+      </p:pic>
+      <p:sp>
+        <p:nvSpPr>
+          <p:cNvPr id="3" name="Rechteck 2">
+            <a:extLst>
+              <a:ext uri="{FF2B5EF4-FFF2-40B4-BE49-F238E27FC236}">
+                <a16:creationId xmlns:a16="http://schemas.microsoft.com/office/drawing/2014/main" id="{4A69FABC-2ACC-4E33-8601-57E6D785CFCA}"/>
+              </a:ext>
+            </a:extLst>
+          </p:cNvPr>
+          <p:cNvSpPr/>
+          <p:nvPr/>
+        </p:nvSpPr>
+        <p:spPr>
+          <a:xfrm>
+            <a:off x="1297298" y="3031294"/>
+            <a:ext cx="7239479" cy="224466"/>
+          </a:xfrm>
+          <a:prstGeom prst="rect">
+            <a:avLst/>
+          </a:prstGeom>
+          <a:noFill/>
+          <a:ln>
+            <a:solidFill>
+              <a:srgbClr val="FF0000"/>
+            </a:solidFill>
+          </a:ln>
+        </p:spPr>
+        <p:style>
+          <a:lnRef idx="2">
+            <a:schemeClr val="accent1">
+              <a:shade val="50000"/>
+            </a:schemeClr>
+          </a:lnRef>
+          <a:fillRef idx="1">
+            <a:schemeClr val="accent1"/>
+          </a:fillRef>
+          <a:effectRef idx="0">
+            <a:schemeClr val="accent1"/>
+          </a:effectRef>
+          <a:fontRef idx="minor">
+            <a:schemeClr val="lt1"/>
+          </a:fontRef>
+        </p:style>
+        <p:txBody>
+          <a:bodyPr rtlCol="0" anchor="ctr"/>
+          <a:lstStyle/>
+          <a:p>
+            <a:pPr algn="ctr"/>
+            <a:endParaRPr lang="de-DE"/>
           </a:p>
         </p:txBody>
       </p:sp>
@@ -4518,7 +4238,7 @@
         </p:nvSpPr>
         <p:spPr>
           <a:xfrm>
-            <a:off x="757125" y="1648800"/>
+            <a:off x="814275" y="1491000"/>
             <a:ext cx="6132600" cy="3145500"/>
           </a:xfrm>
           <a:prstGeom prst="rect">
@@ -4544,7 +4264,15 @@
             </a:pPr>
             <a:r>
               <a:rPr lang="de-DE" dirty="0"/>
-              <a:t>Lambda Ausdrücke sind anonyme Funktionen die lokal verwendet werden können</a:t>
+              <a:t>Capture-</a:t>
+            </a:r>
+            <a:r>
+              <a:rPr lang="de-DE" dirty="0" err="1"/>
+              <a:t>Clause</a:t>
+            </a:r>
+            <a:r>
+              <a:rPr lang="de-DE" dirty="0"/>
+              <a:t>:</a:t>
             </a:r>
           </a:p>
           <a:p>
@@ -4562,6 +4290,19 @@
             <a:endParaRPr lang="de-DE" dirty="0"/>
           </a:p>
           <a:p>
+            <a:pPr marL="76200" lvl="0" rtl="0">
+              <a:spcBef>
+                <a:spcPts val="0"/>
+              </a:spcBef>
+              <a:spcAft>
+                <a:spcPts val="1000"/>
+              </a:spcAft>
+              <a:buSzPct val="100000"/>
+              <a:buNone/>
+            </a:pPr>
+            <a:endParaRPr lang="de-DE" dirty="0"/>
+          </a:p>
+          <a:p>
             <a:pPr marL="457200" lvl="0" indent="-381000" rtl="0">
               <a:spcBef>
                 <a:spcPts val="0"/>
@@ -4575,51 +4316,40 @@
             </a:pPr>
             <a:r>
               <a:rPr lang="de-DE" dirty="0"/>
-              <a:t>Aufbau: </a:t>
-            </a:r>
-            <a:br>
-              <a:rPr lang="de-DE" dirty="0"/>
-            </a:br>
-            <a:r>
-              <a:rPr lang="de-DE" dirty="0"/>
-              <a:t>[Capture-</a:t>
+              <a:t>&amp;: Call </a:t>
             </a:r>
             <a:r>
               <a:rPr lang="de-DE" dirty="0" err="1"/>
-              <a:t>Clause</a:t>
+              <a:t>by</a:t>
             </a:r>
             <a:r>
               <a:rPr lang="de-DE" dirty="0"/>
-              <a:t>]</a:t>
+              <a:t> Reference</a:t>
             </a:r>
-            <a:br>
-              <a:rPr lang="de-DE" dirty="0"/>
-            </a:br>
+          </a:p>
+          <a:p>
+            <a:pPr marL="457200" lvl="0" indent="-381000" rtl="0">
+              <a:spcBef>
+                <a:spcPts val="0"/>
+              </a:spcBef>
+              <a:spcAft>
+                <a:spcPts val="1000"/>
+              </a:spcAft>
+              <a:buSzPct val="100000"/>
+              <a:buFont typeface="Arial" panose="020B0604020202020204" pitchFamily="34" charset="0"/>
+              <a:buChar char="•"/>
+            </a:pPr>
             <a:r>
               <a:rPr lang="de-DE" dirty="0"/>
-              <a:t>(</a:t>
+              <a:t>=: Call </a:t>
             </a:r>
             <a:r>
               <a:rPr lang="de-DE" dirty="0" err="1"/>
-              <a:t>Parmeters</a:t>
+              <a:t>by</a:t>
             </a:r>
             <a:r>
               <a:rPr lang="de-DE" dirty="0"/>
-              <a:t>) </a:t>
-            </a:r>
-            <a:br>
-              <a:rPr lang="de-DE" dirty="0"/>
-            </a:br>
-            <a:r>
-              <a:rPr lang="de-DE" dirty="0"/>
-              <a:t>-&gt; Return-Type </a:t>
-            </a:r>
-            <a:br>
-              <a:rPr lang="de-DE" dirty="0"/>
-            </a:br>
-            <a:r>
-              <a:rPr lang="de-DE" dirty="0"/>
-              <a:t>{ Body; }</a:t>
+              <a:t> Value</a:t>
             </a:r>
             <a:endParaRPr lang="en" dirty="0"/>
           </a:p>
@@ -4655,312 +4385,6 @@
             <a:fld id="{00000000-1234-1234-1234-123412341234}" type="slidenum">
               <a:rPr lang="en"/>
               <a:t>3</a:t>
-            </a:fld>
-            <a:endParaRPr lang="en"/>
-          </a:p>
-        </p:txBody>
-      </p:sp>
-      <p:pic>
-        <p:nvPicPr>
-          <p:cNvPr id="2" name="Grafik 1">
-            <a:extLst>
-              <a:ext uri="{FF2B5EF4-FFF2-40B4-BE49-F238E27FC236}">
-                <a16:creationId xmlns:a16="http://schemas.microsoft.com/office/drawing/2014/main" id="{CD8897D8-54E9-42D1-ABC4-133A6E30BBF9}"/>
-              </a:ext>
-            </a:extLst>
-          </p:cNvPr>
-          <p:cNvPicPr>
-            <a:picLocks noChangeAspect="1"/>
-          </p:cNvPicPr>
-          <p:nvPr/>
-        </p:nvPicPr>
-        <p:blipFill>
-          <a:blip r:embed="rId3"/>
-          <a:stretch>
-            <a:fillRect/>
-          </a:stretch>
-        </p:blipFill>
-        <p:spPr>
-          <a:xfrm>
-            <a:off x="814275" y="2379518"/>
-            <a:ext cx="7767376" cy="518584"/>
-          </a:xfrm>
-          <a:prstGeom prst="rect">
-            <a:avLst/>
-          </a:prstGeom>
-        </p:spPr>
-      </p:pic>
-      <p:sp>
-        <p:nvSpPr>
-          <p:cNvPr id="3" name="Rechteck 2">
-            <a:extLst>
-              <a:ext uri="{FF2B5EF4-FFF2-40B4-BE49-F238E27FC236}">
-                <a16:creationId xmlns:a16="http://schemas.microsoft.com/office/drawing/2014/main" id="{4A69FABC-2ACC-4E33-8601-57E6D785CFCA}"/>
-              </a:ext>
-            </a:extLst>
-          </p:cNvPr>
-          <p:cNvSpPr/>
-          <p:nvPr/>
-        </p:nvSpPr>
-        <p:spPr>
-          <a:xfrm>
-            <a:off x="1147396" y="2592530"/>
-            <a:ext cx="7239479" cy="224466"/>
-          </a:xfrm>
-          <a:prstGeom prst="rect">
-            <a:avLst/>
-          </a:prstGeom>
-          <a:noFill/>
-          <a:ln>
-            <a:solidFill>
-              <a:srgbClr val="FF0000"/>
-            </a:solidFill>
-          </a:ln>
-        </p:spPr>
-        <p:style>
-          <a:lnRef idx="2">
-            <a:schemeClr val="accent1">
-              <a:shade val="50000"/>
-            </a:schemeClr>
-          </a:lnRef>
-          <a:fillRef idx="1">
-            <a:schemeClr val="accent1"/>
-          </a:fillRef>
-          <a:effectRef idx="0">
-            <a:schemeClr val="accent1"/>
-          </a:effectRef>
-          <a:fontRef idx="minor">
-            <a:schemeClr val="lt1"/>
-          </a:fontRef>
-        </p:style>
-        <p:txBody>
-          <a:bodyPr rtlCol="0" anchor="ctr"/>
-          <a:lstStyle/>
-          <a:p>
-            <a:pPr algn="ctr"/>
-            <a:endParaRPr lang="de-DE"/>
-          </a:p>
-        </p:txBody>
-      </p:sp>
-    </p:spTree>
-  </p:cSld>
-  <p:clrMapOvr>
-    <a:masterClrMapping/>
-  </p:clrMapOvr>
-</p:sld>
-</file>
-
-<file path=ppt/slides/slide4.xml><?xml version="1.0" encoding="utf-8"?>
-<p:sld xmlns:a="http://schemas.openxmlformats.org/drawingml/2006/main" xmlns:r="http://schemas.openxmlformats.org/officeDocument/2006/relationships" xmlns:p="http://schemas.openxmlformats.org/presentationml/2006/main">
-  <p:cSld>
-    <p:spTree>
-      <p:nvGrpSpPr>
-        <p:cNvPr id="1" name="Shape 235"/>
-        <p:cNvGrpSpPr/>
-        <p:nvPr/>
-      </p:nvGrpSpPr>
-      <p:grpSpPr>
-        <a:xfrm>
-          <a:off x="0" y="0"/>
-          <a:ext cx="0" cy="0"/>
-          <a:chOff x="0" y="0"/>
-          <a:chExt cx="0" cy="0"/>
-        </a:xfrm>
-      </p:grpSpPr>
-      <p:sp>
-        <p:nvSpPr>
-          <p:cNvPr id="236" name="Shape 236"/>
-          <p:cNvSpPr txBox="1">
-            <a:spLocks noGrp="1"/>
-          </p:cNvSpPr>
-          <p:nvPr>
-            <p:ph type="title"/>
-          </p:nvPr>
-        </p:nvSpPr>
-        <p:spPr>
-          <a:prstGeom prst="rect">
-            <a:avLst/>
-          </a:prstGeom>
-        </p:spPr>
-        <p:txBody>
-          <a:bodyPr wrap="square" lIns="91425" tIns="91425" rIns="91425" bIns="91425" anchor="ctr" anchorCtr="0">
-            <a:noAutofit/>
-          </a:bodyPr>
-          <a:lstStyle/>
-          <a:p>
-            <a:pPr lvl="0">
-              <a:spcBef>
-                <a:spcPts val="0"/>
-              </a:spcBef>
-              <a:buNone/>
-            </a:pPr>
-            <a:r>
-              <a:rPr lang="de-DE" dirty="0"/>
-              <a:t>LAMBDA AUSDRÜCKE</a:t>
-            </a:r>
-            <a:endParaRPr lang="en" dirty="0"/>
-          </a:p>
-        </p:txBody>
-      </p:sp>
-      <p:sp>
-        <p:nvSpPr>
-          <p:cNvPr id="237" name="Shape 237"/>
-          <p:cNvSpPr txBox="1">
-            <a:spLocks noGrp="1"/>
-          </p:cNvSpPr>
-          <p:nvPr>
-            <p:ph type="body" idx="1"/>
-          </p:nvPr>
-        </p:nvSpPr>
-        <p:spPr>
-          <a:xfrm>
-            <a:off x="814275" y="1491000"/>
-            <a:ext cx="6132600" cy="3145500"/>
-          </a:xfrm>
-          <a:prstGeom prst="rect">
-            <a:avLst/>
-          </a:prstGeom>
-        </p:spPr>
-        <p:txBody>
-          <a:bodyPr wrap="square" lIns="91425" tIns="91425" rIns="91425" bIns="91425" anchor="ctr" anchorCtr="0">
-            <a:noAutofit/>
-          </a:bodyPr>
-          <a:lstStyle/>
-          <a:p>
-            <a:pPr marL="457200" lvl="0" indent="-381000" rtl="0">
-              <a:spcBef>
-                <a:spcPts val="0"/>
-              </a:spcBef>
-              <a:spcAft>
-                <a:spcPts val="1000"/>
-              </a:spcAft>
-              <a:buSzPct val="100000"/>
-              <a:buFont typeface="Arial" panose="020B0604020202020204" pitchFamily="34" charset="0"/>
-              <a:buChar char="•"/>
-            </a:pPr>
-            <a:r>
-              <a:rPr lang="de-DE" dirty="0"/>
-              <a:t>Capture-</a:t>
-            </a:r>
-            <a:r>
-              <a:rPr lang="de-DE" dirty="0" err="1"/>
-              <a:t>Clause</a:t>
-            </a:r>
-            <a:r>
-              <a:rPr lang="de-DE" dirty="0"/>
-              <a:t>:</a:t>
-            </a:r>
-          </a:p>
-          <a:p>
-            <a:pPr marL="457200" lvl="0" indent="-381000" rtl="0">
-              <a:spcBef>
-                <a:spcPts val="0"/>
-              </a:spcBef>
-              <a:spcAft>
-                <a:spcPts val="1000"/>
-              </a:spcAft>
-              <a:buSzPct val="100000"/>
-              <a:buFont typeface="Arial" panose="020B0604020202020204" pitchFamily="34" charset="0"/>
-              <a:buChar char="•"/>
-            </a:pPr>
-            <a:endParaRPr lang="de-DE" dirty="0"/>
-          </a:p>
-          <a:p>
-            <a:pPr marL="76200" lvl="0" rtl="0">
-              <a:spcBef>
-                <a:spcPts val="0"/>
-              </a:spcBef>
-              <a:spcAft>
-                <a:spcPts val="1000"/>
-              </a:spcAft>
-              <a:buSzPct val="100000"/>
-              <a:buNone/>
-            </a:pPr>
-            <a:endParaRPr lang="de-DE" dirty="0"/>
-          </a:p>
-          <a:p>
-            <a:pPr marL="457200" lvl="0" indent="-381000" rtl="0">
-              <a:spcBef>
-                <a:spcPts val="0"/>
-              </a:spcBef>
-              <a:spcAft>
-                <a:spcPts val="1000"/>
-              </a:spcAft>
-              <a:buSzPct val="100000"/>
-              <a:buFont typeface="Arial" panose="020B0604020202020204" pitchFamily="34" charset="0"/>
-              <a:buChar char="•"/>
-            </a:pPr>
-            <a:r>
-              <a:rPr lang="de-DE" dirty="0"/>
-              <a:t>&amp;: Automatischer Call </a:t>
-            </a:r>
-            <a:r>
-              <a:rPr lang="de-DE" dirty="0" err="1"/>
-              <a:t>by</a:t>
-            </a:r>
-            <a:r>
-              <a:rPr lang="de-DE" dirty="0"/>
-              <a:t> Reference Aufruf</a:t>
-            </a:r>
-          </a:p>
-          <a:p>
-            <a:pPr marL="457200" lvl="0" indent="-381000" rtl="0">
-              <a:spcBef>
-                <a:spcPts val="0"/>
-              </a:spcBef>
-              <a:spcAft>
-                <a:spcPts val="1000"/>
-              </a:spcAft>
-              <a:buSzPct val="100000"/>
-              <a:buFont typeface="Arial" panose="020B0604020202020204" pitchFamily="34" charset="0"/>
-              <a:buChar char="•"/>
-            </a:pPr>
-            <a:r>
-              <a:rPr lang="de-DE" dirty="0"/>
-              <a:t>=: Automatischer Call </a:t>
-            </a:r>
-            <a:r>
-              <a:rPr lang="de-DE" dirty="0" err="1"/>
-              <a:t>by</a:t>
-            </a:r>
-            <a:r>
-              <a:rPr lang="de-DE" dirty="0"/>
-              <a:t> Value Aufruf</a:t>
-            </a:r>
-            <a:endParaRPr lang="en" dirty="0"/>
-          </a:p>
-        </p:txBody>
-      </p:sp>
-      <p:sp>
-        <p:nvSpPr>
-          <p:cNvPr id="238" name="Shape 238"/>
-          <p:cNvSpPr txBox="1">
-            <a:spLocks noGrp="1"/>
-          </p:cNvSpPr>
-          <p:nvPr>
-            <p:ph type="sldNum" idx="12"/>
-          </p:nvPr>
-        </p:nvSpPr>
-        <p:spPr>
-          <a:prstGeom prst="rect">
-            <a:avLst/>
-          </a:prstGeom>
-        </p:spPr>
-        <p:txBody>
-          <a:bodyPr wrap="square" lIns="91425" tIns="91425" rIns="91425" bIns="91425" anchor="ctr" anchorCtr="0">
-            <a:noAutofit/>
-          </a:bodyPr>
-          <a:lstStyle/>
-          <a:p>
-            <a:pPr lvl="0">
-              <a:spcBef>
-                <a:spcPts val="0"/>
-              </a:spcBef>
-              <a:buNone/>
-            </a:pPr>
-            <a:fld id="{00000000-1234-1234-1234-123412341234}" type="slidenum">
-              <a:rPr lang="en"/>
-              <a:t>4</a:t>
             </a:fld>
             <a:endParaRPr lang="en"/>
           </a:p>
@@ -5061,7 +4485,7 @@
 </p:sld>
 </file>
 
-<file path=ppt/slides/slide5.xml><?xml version="1.0" encoding="utf-8"?>
+<file path=ppt/slides/slide4.xml><?xml version="1.0" encoding="utf-8"?>
 <p:sld xmlns:a="http://schemas.openxmlformats.org/drawingml/2006/main" xmlns:r="http://schemas.openxmlformats.org/officeDocument/2006/relationships" xmlns:p="http://schemas.openxmlformats.org/presentationml/2006/main">
   <p:cSld>
     <p:spTree>
@@ -5216,7 +4640,7 @@
             </a:pPr>
             <a:fld id="{00000000-1234-1234-1234-123412341234}" type="slidenum">
               <a:rPr lang="en"/>
-              <a:t>5</a:t>
+              <a:t>4</a:t>
             </a:fld>
             <a:endParaRPr lang="en"/>
           </a:p>
@@ -5317,7 +4741,7 @@
 </p:sld>
 </file>
 
-<file path=ppt/slides/slide6.xml><?xml version="1.0" encoding="utf-8"?>
+<file path=ppt/slides/slide5.xml><?xml version="1.0" encoding="utf-8"?>
 <p:sld xmlns:a="http://schemas.openxmlformats.org/drawingml/2006/main" xmlns:r="http://schemas.openxmlformats.org/officeDocument/2006/relationships" xmlns:p="http://schemas.openxmlformats.org/presentationml/2006/main">
   <p:cSld>
     <p:spTree>
@@ -5407,7 +4831,7 @@
             </a:pPr>
             <a:r>
               <a:rPr lang="de-DE" dirty="0"/>
-              <a:t>Return-Type:</a:t>
+              <a:t>Return-Type (optional) :</a:t>
             </a:r>
           </a:p>
           <a:p>
@@ -5424,7 +4848,7 @@
             <a:endParaRPr lang="de-DE" dirty="0"/>
           </a:p>
           <a:p>
-            <a:pPr marL="457200" lvl="0" indent="-381000" rtl="0">
+            <a:pPr marL="76200" lvl="0" rtl="0">
               <a:spcBef>
                 <a:spcPts val="0"/>
               </a:spcBef>
@@ -5432,14 +4856,9 @@
                 <a:spcPts val="1000"/>
               </a:spcAft>
               <a:buSzPct val="100000"/>
-              <a:buFont typeface="Arial" panose="020B0604020202020204" pitchFamily="34" charset="0"/>
-              <a:buChar char="•"/>
+              <a:buNone/>
             </a:pPr>
-            <a:r>
-              <a:rPr lang="de-DE" dirty="0"/>
-              <a:t>Hilfe für den Compiler (optional)</a:t>
-            </a:r>
-            <a:endParaRPr lang="en" dirty="0"/>
+            <a:endParaRPr lang="de-DE" dirty="0"/>
           </a:p>
         </p:txBody>
       </p:sp>
@@ -5472,7 +4891,7 @@
             </a:pPr>
             <a:fld id="{00000000-1234-1234-1234-123412341234}" type="slidenum">
               <a:rPr lang="en"/>
-              <a:t>6</a:t>
+              <a:t>5</a:t>
             </a:fld>
             <a:endParaRPr lang="en"/>
           </a:p>
@@ -5573,7 +4992,7 @@
 </p:sld>
 </file>
 
-<file path=ppt/slides/slide7.xml><?xml version="1.0" encoding="utf-8"?>
+<file path=ppt/slides/slide6.xml><?xml version="1.0" encoding="utf-8"?>
 <p:sld xmlns:a="http://schemas.openxmlformats.org/drawingml/2006/main" xmlns:r="http://schemas.openxmlformats.org/officeDocument/2006/relationships" xmlns:p="http://schemas.openxmlformats.org/presentationml/2006/main">
   <p:cSld>
     <p:spTree>
@@ -5662,8 +5081,12 @@
               <a:buChar char="•"/>
             </a:pPr>
             <a:r>
+              <a:rPr lang="de-DE" dirty="0" err="1"/>
+              <a:t>Function</a:t>
+            </a:r>
+            <a:r>
               <a:rPr lang="de-DE" dirty="0"/>
-              <a:t>Funktions-Body:</a:t>
+              <a:t>-Body:</a:t>
             </a:r>
           </a:p>
           <a:p>
@@ -5680,7 +5103,7 @@
             <a:endParaRPr lang="de-DE" dirty="0"/>
           </a:p>
           <a:p>
-            <a:pPr marL="457200" lvl="0" indent="-381000" rtl="0">
+            <a:pPr marL="76200" lvl="0" rtl="0">
               <a:spcBef>
                 <a:spcPts val="0"/>
               </a:spcBef>
@@ -5688,14 +5111,9 @@
                 <a:spcPts val="1000"/>
               </a:spcAft>
               <a:buSzPct val="100000"/>
-              <a:buFont typeface="Arial" panose="020B0604020202020204" pitchFamily="34" charset="0"/>
-              <a:buChar char="•"/>
+              <a:buNone/>
             </a:pPr>
-            <a:r>
-              <a:rPr lang="de-DE" dirty="0"/>
-              <a:t>Die eigentliche Funktion</a:t>
-            </a:r>
-            <a:endParaRPr lang="en" dirty="0"/>
+            <a:endParaRPr lang="de-DE" dirty="0"/>
           </a:p>
         </p:txBody>
       </p:sp>
@@ -5728,7 +5146,7 @@
             </a:pPr>
             <a:fld id="{00000000-1234-1234-1234-123412341234}" type="slidenum">
               <a:rPr lang="en"/>
-              <a:t>7</a:t>
+              <a:t>6</a:t>
             </a:fld>
             <a:endParaRPr lang="en"/>
           </a:p>
